--- a/L9/Hash_Tables_Patterns_Interview_Practice.pptx
+++ b/L9/Hash_Tables_Patterns_Interview_Practice.pptx
@@ -13,9 +13,18 @@
     <p:sldId id="261" r:id="rId7"/>
     <p:sldId id="262" r:id="rId8"/>
     <p:sldId id="263" r:id="rId9"/>
-    <p:sldId id="264" r:id="rId10"/>
-    <p:sldId id="265" r:id="rId11"/>
-    <p:sldId id="266" r:id="rId12"/>
+    <p:sldId id="267" r:id="rId10"/>
+    <p:sldId id="268" r:id="rId11"/>
+    <p:sldId id="269" r:id="rId12"/>
+    <p:sldId id="270" r:id="rId13"/>
+    <p:sldId id="271" r:id="rId14"/>
+    <p:sldId id="272" r:id="rId15"/>
+    <p:sldId id="273" r:id="rId16"/>
+    <p:sldId id="274" r:id="rId17"/>
+    <p:sldId id="275" r:id="rId18"/>
+    <p:sldId id="264" r:id="rId19"/>
+    <p:sldId id="265" r:id="rId20"/>
+    <p:sldId id="266" r:id="rId21"/>
   </p:sldIdLst>
   <p:sldSz cx="9144000" cy="6858000" type="screen4x3"/>
   <p:notesSz cx="6858000" cy="9144000"/>
@@ -312,7 +321,7 @@
           <a:p>
             <a:fld id="{5BCAD085-E8A6-8845-BD4E-CB4CCA059FC4}" type="datetimeFigureOut">
               <a:rPr lang="en-US" smtClean="0"/>
-              <a:t>1/31/2026</a:t>
+              <a:t>2/5/2026</a:t>
             </a:fld>
             <a:endParaRPr lang="en-US"/>
           </a:p>
@@ -480,7 +489,7 @@
           <a:p>
             <a:fld id="{5BCAD085-E8A6-8845-BD4E-CB4CCA059FC4}" type="datetimeFigureOut">
               <a:rPr lang="en-US" smtClean="0"/>
-              <a:t>1/31/2026</a:t>
+              <a:t>2/5/2026</a:t>
             </a:fld>
             <a:endParaRPr lang="en-US"/>
           </a:p>
@@ -658,7 +667,7 @@
           <a:p>
             <a:fld id="{5BCAD085-E8A6-8845-BD4E-CB4CCA059FC4}" type="datetimeFigureOut">
               <a:rPr lang="en-US" smtClean="0"/>
-              <a:t>1/31/2026</a:t>
+              <a:t>2/5/2026</a:t>
             </a:fld>
             <a:endParaRPr lang="en-US"/>
           </a:p>
@@ -826,7 +835,7 @@
           <a:p>
             <a:fld id="{5BCAD085-E8A6-8845-BD4E-CB4CCA059FC4}" type="datetimeFigureOut">
               <a:rPr lang="en-US" smtClean="0"/>
-              <a:t>1/31/2026</a:t>
+              <a:t>2/5/2026</a:t>
             </a:fld>
             <a:endParaRPr lang="en-US"/>
           </a:p>
@@ -1071,7 +1080,7 @@
           <a:p>
             <a:fld id="{5BCAD085-E8A6-8845-BD4E-CB4CCA059FC4}" type="datetimeFigureOut">
               <a:rPr lang="en-US" smtClean="0"/>
-              <a:t>1/31/2026</a:t>
+              <a:t>2/5/2026</a:t>
             </a:fld>
             <a:endParaRPr lang="en-US"/>
           </a:p>
@@ -1356,7 +1365,7 @@
           <a:p>
             <a:fld id="{5BCAD085-E8A6-8845-BD4E-CB4CCA059FC4}" type="datetimeFigureOut">
               <a:rPr lang="en-US" smtClean="0"/>
-              <a:t>1/31/2026</a:t>
+              <a:t>2/5/2026</a:t>
             </a:fld>
             <a:endParaRPr lang="en-US"/>
           </a:p>
@@ -1775,7 +1784,7 @@
           <a:p>
             <a:fld id="{5BCAD085-E8A6-8845-BD4E-CB4CCA059FC4}" type="datetimeFigureOut">
               <a:rPr lang="en-US" smtClean="0"/>
-              <a:t>1/31/2026</a:t>
+              <a:t>2/5/2026</a:t>
             </a:fld>
             <a:endParaRPr lang="en-US"/>
           </a:p>
@@ -1892,7 +1901,7 @@
           <a:p>
             <a:fld id="{5BCAD085-E8A6-8845-BD4E-CB4CCA059FC4}" type="datetimeFigureOut">
               <a:rPr lang="en-US" smtClean="0"/>
-              <a:t>1/31/2026</a:t>
+              <a:t>2/5/2026</a:t>
             </a:fld>
             <a:endParaRPr lang="en-US"/>
           </a:p>
@@ -1987,7 +1996,7 @@
           <a:p>
             <a:fld id="{5BCAD085-E8A6-8845-BD4E-CB4CCA059FC4}" type="datetimeFigureOut">
               <a:rPr lang="en-US" smtClean="0"/>
-              <a:t>1/31/2026</a:t>
+              <a:t>2/5/2026</a:t>
             </a:fld>
             <a:endParaRPr lang="en-US"/>
           </a:p>
@@ -2262,7 +2271,7 @@
           <a:p>
             <a:fld id="{5BCAD085-E8A6-8845-BD4E-CB4CCA059FC4}" type="datetimeFigureOut">
               <a:rPr lang="en-US" smtClean="0"/>
-              <a:t>1/31/2026</a:t>
+              <a:t>2/5/2026</a:t>
             </a:fld>
             <a:endParaRPr lang="en-US"/>
           </a:p>
@@ -2514,7 +2523,7 @@
           <a:p>
             <a:fld id="{5BCAD085-E8A6-8845-BD4E-CB4CCA059FC4}" type="datetimeFigureOut">
               <a:rPr lang="en-US" smtClean="0"/>
-              <a:t>1/31/2026</a:t>
+              <a:t>2/5/2026</a:t>
             </a:fld>
             <a:endParaRPr lang="en-US"/>
           </a:p>
@@ -2725,7 +2734,7 @@
           <a:p>
             <a:fld id="{5BCAD085-E8A6-8845-BD4E-CB4CCA059FC4}" type="datetimeFigureOut">
               <a:rPr lang="en-US" smtClean="0"/>
-              <a:t>1/31/2026</a:t>
+              <a:t>2/5/2026</a:t>
             </a:fld>
             <a:endParaRPr lang="en-US"/>
           </a:p>
@@ -3177,7 +3186,13 @@
   <p:cSld>
     <p:spTree>
       <p:nvGrpSpPr>
-        <p:cNvPr id="1" name=""/>
+        <p:cNvPr id="1" name="">
+          <a:extLst>
+            <a:ext uri="{FF2B5EF4-FFF2-40B4-BE49-F238E27FC236}">
+              <a16:creationId xmlns:a16="http://schemas.microsoft.com/office/drawing/2014/main" id="{4BC42FE7-AF7C-EB66-E21A-9F374448C2D7}"/>
+            </a:ext>
+          </a:extLst>
+        </p:cNvPr>
         <p:cNvGrpSpPr/>
         <p:nvPr/>
       </p:nvGrpSpPr>
@@ -3191,7 +3206,13 @@
       </p:grpSpPr>
       <p:sp>
         <p:nvSpPr>
-          <p:cNvPr id="2" name="Title 1"/>
+          <p:cNvPr id="2" name="Title 1">
+            <a:extLst>
+              <a:ext uri="{FF2B5EF4-FFF2-40B4-BE49-F238E27FC236}">
+                <a16:creationId xmlns:a16="http://schemas.microsoft.com/office/drawing/2014/main" id="{0E079688-BB73-D0B4-3A7F-A4D22DD3746C}"/>
+              </a:ext>
+            </a:extLst>
+          </p:cNvPr>
           <p:cNvSpPr>
             <a:spLocks noGrp="1"/>
           </p:cNvSpPr>
@@ -3205,53 +3226,54 @@
           <a:lstStyle/>
           <a:p>
             <a:r>
-              <a:t>Типовые задачи на хэш-таблицы</a:t>
-            </a:r>
-          </a:p>
-        </p:txBody>
-      </p:sp>
-      <p:sp>
-        <p:nvSpPr>
-          <p:cNvPr id="3" name="Content Placeholder 2"/>
-          <p:cNvSpPr>
-            <a:spLocks noGrp="1"/>
-          </p:cNvSpPr>
+              <a:rPr dirty="0" err="1"/>
+              <a:t>Паттерн</a:t>
+            </a:r>
+            <a:r>
+              <a:rPr dirty="0"/>
+              <a:t>: Prefix Sum + HashMap</a:t>
+            </a:r>
+          </a:p>
+        </p:txBody>
+      </p:sp>
+      <p:pic>
+        <p:nvPicPr>
+          <p:cNvPr id="9" name="Content Placeholder 8">
+            <a:extLst>
+              <a:ext uri="{FF2B5EF4-FFF2-40B4-BE49-F238E27FC236}">
+                <a16:creationId xmlns:a16="http://schemas.microsoft.com/office/drawing/2014/main" id="{51B4F732-4FE0-E231-D421-062CCBB4F626}"/>
+              </a:ext>
+            </a:extLst>
+          </p:cNvPr>
+          <p:cNvPicPr>
+            <a:picLocks noGrp="1" noChangeAspect="1"/>
+          </p:cNvPicPr>
           <p:nvPr>
             <p:ph idx="1"/>
           </p:nvPr>
-        </p:nvSpPr>
-        <p:spPr/>
-        <p:txBody>
-          <a:bodyPr/>
-          <a:lstStyle/>
-          <a:p>
-            <a:r>
-              <a:t>Two Sum / пары элементов</a:t>
-            </a:r>
-          </a:p>
-          <a:p>
-            <a:r>
-              <a:t>Анаграммы</a:t>
-            </a:r>
-          </a:p>
-          <a:p>
-            <a:r>
-              <a:t>Подстроки без повторений</a:t>
-            </a:r>
-          </a:p>
-          <a:p>
-            <a:r>
-              <a:t>Подмассивы с заданной суммой</a:t>
-            </a:r>
-          </a:p>
-          <a:p>
-            <a:r>
-              <a:t>Топ-K элементов</a:t>
-            </a:r>
-          </a:p>
-        </p:txBody>
-      </p:sp>
+        </p:nvPicPr>
+        <p:blipFill>
+          <a:blip r:embed="rId2"/>
+          <a:stretch>
+            <a:fillRect/>
+          </a:stretch>
+        </p:blipFill>
+        <p:spPr>
+          <a:xfrm>
+            <a:off x="521453" y="1600200"/>
+            <a:ext cx="8101093" cy="4525963"/>
+          </a:xfrm>
+          <a:prstGeom prst="rect">
+            <a:avLst/>
+          </a:prstGeom>
+        </p:spPr>
+      </p:pic>
     </p:spTree>
+    <p:extLst>
+      <p:ext uri="{BB962C8B-B14F-4D97-AF65-F5344CB8AC3E}">
+        <p14:creationId xmlns:p14="http://schemas.microsoft.com/office/powerpoint/2010/main" val="2212714376"/>
+      </p:ext>
+    </p:extLst>
   </p:cSld>
   <p:clrMapOvr>
     <a:masterClrMapping/>
@@ -3260,6 +3282,706 @@
 </file>
 
 <file path=ppt/slides/slide11.xml><?xml version="1.0" encoding="utf-8"?>
+<p:sld xmlns:a="http://schemas.openxmlformats.org/drawingml/2006/main" xmlns:r="http://schemas.openxmlformats.org/officeDocument/2006/relationships" xmlns:p="http://schemas.openxmlformats.org/presentationml/2006/main">
+  <p:cSld>
+    <p:spTree>
+      <p:nvGrpSpPr>
+        <p:cNvPr id="1" name="">
+          <a:extLst>
+            <a:ext uri="{FF2B5EF4-FFF2-40B4-BE49-F238E27FC236}">
+              <a16:creationId xmlns:a16="http://schemas.microsoft.com/office/drawing/2014/main" id="{565C6586-BA57-5C94-7B1F-F00CEA717D35}"/>
+            </a:ext>
+          </a:extLst>
+        </p:cNvPr>
+        <p:cNvGrpSpPr/>
+        <p:nvPr/>
+      </p:nvGrpSpPr>
+      <p:grpSpPr>
+        <a:xfrm>
+          <a:off x="0" y="0"/>
+          <a:ext cx="0" cy="0"/>
+          <a:chOff x="0" y="0"/>
+          <a:chExt cx="0" cy="0"/>
+        </a:xfrm>
+      </p:grpSpPr>
+      <p:sp>
+        <p:nvSpPr>
+          <p:cNvPr id="2" name="Title 1">
+            <a:extLst>
+              <a:ext uri="{FF2B5EF4-FFF2-40B4-BE49-F238E27FC236}">
+                <a16:creationId xmlns:a16="http://schemas.microsoft.com/office/drawing/2014/main" id="{4D580711-EC04-3382-8400-5ED13CD53F36}"/>
+              </a:ext>
+            </a:extLst>
+          </p:cNvPr>
+          <p:cNvSpPr>
+            <a:spLocks noGrp="1"/>
+          </p:cNvSpPr>
+          <p:nvPr>
+            <p:ph type="title"/>
+          </p:nvPr>
+        </p:nvSpPr>
+        <p:spPr/>
+        <p:txBody>
+          <a:bodyPr/>
+          <a:lstStyle/>
+          <a:p>
+            <a:r>
+              <a:rPr dirty="0" err="1"/>
+              <a:t>Паттерн</a:t>
+            </a:r>
+            <a:r>
+              <a:rPr dirty="0"/>
+              <a:t>: Prefix Sum + HashMap</a:t>
+            </a:r>
+          </a:p>
+        </p:txBody>
+      </p:sp>
+      <p:pic>
+        <p:nvPicPr>
+          <p:cNvPr id="6" name="Content Placeholder 5">
+            <a:extLst>
+              <a:ext uri="{FF2B5EF4-FFF2-40B4-BE49-F238E27FC236}">
+                <a16:creationId xmlns:a16="http://schemas.microsoft.com/office/drawing/2014/main" id="{FEA313DB-2CAF-3C36-673F-903FF63FBCCC}"/>
+              </a:ext>
+            </a:extLst>
+          </p:cNvPr>
+          <p:cNvPicPr>
+            <a:picLocks noGrp="1" noChangeAspect="1"/>
+          </p:cNvPicPr>
+          <p:nvPr>
+            <p:ph idx="1"/>
+          </p:nvPr>
+        </p:nvPicPr>
+        <p:blipFill>
+          <a:blip r:embed="rId2"/>
+          <a:stretch>
+            <a:fillRect/>
+          </a:stretch>
+        </p:blipFill>
+        <p:spPr>
+          <a:xfrm>
+            <a:off x="546474" y="1600200"/>
+            <a:ext cx="8051052" cy="4525963"/>
+          </a:xfrm>
+          <a:prstGeom prst="rect">
+            <a:avLst/>
+          </a:prstGeom>
+        </p:spPr>
+      </p:pic>
+    </p:spTree>
+    <p:extLst>
+      <p:ext uri="{BB962C8B-B14F-4D97-AF65-F5344CB8AC3E}">
+        <p14:creationId xmlns:p14="http://schemas.microsoft.com/office/powerpoint/2010/main" val="940939157"/>
+      </p:ext>
+    </p:extLst>
+  </p:cSld>
+  <p:clrMapOvr>
+    <a:masterClrMapping/>
+  </p:clrMapOvr>
+</p:sld>
+</file>
+
+<file path=ppt/slides/slide12.xml><?xml version="1.0" encoding="utf-8"?>
+<p:sld xmlns:a="http://schemas.openxmlformats.org/drawingml/2006/main" xmlns:r="http://schemas.openxmlformats.org/officeDocument/2006/relationships" xmlns:p="http://schemas.openxmlformats.org/presentationml/2006/main">
+  <p:cSld>
+    <p:spTree>
+      <p:nvGrpSpPr>
+        <p:cNvPr id="1" name="">
+          <a:extLst>
+            <a:ext uri="{FF2B5EF4-FFF2-40B4-BE49-F238E27FC236}">
+              <a16:creationId xmlns:a16="http://schemas.microsoft.com/office/drawing/2014/main" id="{53383A3A-CA9A-D298-E635-9C618F36C6CA}"/>
+            </a:ext>
+          </a:extLst>
+        </p:cNvPr>
+        <p:cNvGrpSpPr/>
+        <p:nvPr/>
+      </p:nvGrpSpPr>
+      <p:grpSpPr>
+        <a:xfrm>
+          <a:off x="0" y="0"/>
+          <a:ext cx="0" cy="0"/>
+          <a:chOff x="0" y="0"/>
+          <a:chExt cx="0" cy="0"/>
+        </a:xfrm>
+      </p:grpSpPr>
+      <p:sp>
+        <p:nvSpPr>
+          <p:cNvPr id="2" name="Title 1">
+            <a:extLst>
+              <a:ext uri="{FF2B5EF4-FFF2-40B4-BE49-F238E27FC236}">
+                <a16:creationId xmlns:a16="http://schemas.microsoft.com/office/drawing/2014/main" id="{FDEE7114-E2A5-CD5F-0F20-7C8AC1A15363}"/>
+              </a:ext>
+            </a:extLst>
+          </p:cNvPr>
+          <p:cNvSpPr>
+            <a:spLocks noGrp="1"/>
+          </p:cNvSpPr>
+          <p:nvPr>
+            <p:ph type="title"/>
+          </p:nvPr>
+        </p:nvSpPr>
+        <p:spPr/>
+        <p:txBody>
+          <a:bodyPr/>
+          <a:lstStyle/>
+          <a:p>
+            <a:r>
+              <a:rPr dirty="0" err="1"/>
+              <a:t>Паттерн</a:t>
+            </a:r>
+            <a:r>
+              <a:rPr dirty="0"/>
+              <a:t>: Prefix Sum + HashMap</a:t>
+            </a:r>
+          </a:p>
+        </p:txBody>
+      </p:sp>
+      <p:pic>
+        <p:nvPicPr>
+          <p:cNvPr id="7" name="Content Placeholder 6">
+            <a:extLst>
+              <a:ext uri="{FF2B5EF4-FFF2-40B4-BE49-F238E27FC236}">
+                <a16:creationId xmlns:a16="http://schemas.microsoft.com/office/drawing/2014/main" id="{B7C67279-BF2A-784B-2B69-DCCFAD46C355}"/>
+              </a:ext>
+            </a:extLst>
+          </p:cNvPr>
+          <p:cNvPicPr>
+            <a:picLocks noGrp="1" noChangeAspect="1"/>
+          </p:cNvPicPr>
+          <p:nvPr>
+            <p:ph idx="1"/>
+          </p:nvPr>
+        </p:nvPicPr>
+        <p:blipFill>
+          <a:blip r:embed="rId2"/>
+          <a:stretch>
+            <a:fillRect/>
+          </a:stretch>
+        </p:blipFill>
+        <p:spPr>
+          <a:xfrm>
+            <a:off x="530283" y="1600200"/>
+            <a:ext cx="8083433" cy="4525963"/>
+          </a:xfrm>
+          <a:prstGeom prst="rect">
+            <a:avLst/>
+          </a:prstGeom>
+        </p:spPr>
+      </p:pic>
+    </p:spTree>
+    <p:extLst>
+      <p:ext uri="{BB962C8B-B14F-4D97-AF65-F5344CB8AC3E}">
+        <p14:creationId xmlns:p14="http://schemas.microsoft.com/office/powerpoint/2010/main" val="2257276076"/>
+      </p:ext>
+    </p:extLst>
+  </p:cSld>
+  <p:clrMapOvr>
+    <a:masterClrMapping/>
+  </p:clrMapOvr>
+</p:sld>
+</file>
+
+<file path=ppt/slides/slide13.xml><?xml version="1.0" encoding="utf-8"?>
+<p:sld xmlns:a="http://schemas.openxmlformats.org/drawingml/2006/main" xmlns:r="http://schemas.openxmlformats.org/officeDocument/2006/relationships" xmlns:p="http://schemas.openxmlformats.org/presentationml/2006/main">
+  <p:cSld>
+    <p:spTree>
+      <p:nvGrpSpPr>
+        <p:cNvPr id="1" name="">
+          <a:extLst>
+            <a:ext uri="{FF2B5EF4-FFF2-40B4-BE49-F238E27FC236}">
+              <a16:creationId xmlns:a16="http://schemas.microsoft.com/office/drawing/2014/main" id="{7F3399AF-4C4E-2500-8753-AF30A913FA44}"/>
+            </a:ext>
+          </a:extLst>
+        </p:cNvPr>
+        <p:cNvGrpSpPr/>
+        <p:nvPr/>
+      </p:nvGrpSpPr>
+      <p:grpSpPr>
+        <a:xfrm>
+          <a:off x="0" y="0"/>
+          <a:ext cx="0" cy="0"/>
+          <a:chOff x="0" y="0"/>
+          <a:chExt cx="0" cy="0"/>
+        </a:xfrm>
+      </p:grpSpPr>
+      <p:sp>
+        <p:nvSpPr>
+          <p:cNvPr id="2" name="Title 1">
+            <a:extLst>
+              <a:ext uri="{FF2B5EF4-FFF2-40B4-BE49-F238E27FC236}">
+                <a16:creationId xmlns:a16="http://schemas.microsoft.com/office/drawing/2014/main" id="{ABADD668-7291-9C4E-6E5D-DB7081A3C3BB}"/>
+              </a:ext>
+            </a:extLst>
+          </p:cNvPr>
+          <p:cNvSpPr>
+            <a:spLocks noGrp="1"/>
+          </p:cNvSpPr>
+          <p:nvPr>
+            <p:ph type="title"/>
+          </p:nvPr>
+        </p:nvSpPr>
+        <p:spPr/>
+        <p:txBody>
+          <a:bodyPr/>
+          <a:lstStyle/>
+          <a:p>
+            <a:r>
+              <a:rPr dirty="0" err="1"/>
+              <a:t>Паттерн</a:t>
+            </a:r>
+            <a:r>
+              <a:rPr dirty="0"/>
+              <a:t>: Prefix Sum + HashMap</a:t>
+            </a:r>
+          </a:p>
+        </p:txBody>
+      </p:sp>
+      <p:pic>
+        <p:nvPicPr>
+          <p:cNvPr id="6" name="Content Placeholder 5">
+            <a:extLst>
+              <a:ext uri="{FF2B5EF4-FFF2-40B4-BE49-F238E27FC236}">
+                <a16:creationId xmlns:a16="http://schemas.microsoft.com/office/drawing/2014/main" id="{FBE6EE31-9C79-8B67-C441-A66D23260A51}"/>
+              </a:ext>
+            </a:extLst>
+          </p:cNvPr>
+          <p:cNvPicPr>
+            <a:picLocks noGrp="1" noChangeAspect="1"/>
+          </p:cNvPicPr>
+          <p:nvPr>
+            <p:ph idx="1"/>
+          </p:nvPr>
+        </p:nvPicPr>
+        <p:blipFill>
+          <a:blip r:embed="rId2"/>
+          <a:stretch>
+            <a:fillRect/>
+          </a:stretch>
+        </p:blipFill>
+        <p:spPr>
+          <a:xfrm>
+            <a:off x="554502" y="1600200"/>
+            <a:ext cx="8034996" cy="4525963"/>
+          </a:xfrm>
+          <a:prstGeom prst="rect">
+            <a:avLst/>
+          </a:prstGeom>
+        </p:spPr>
+      </p:pic>
+    </p:spTree>
+    <p:extLst>
+      <p:ext uri="{BB962C8B-B14F-4D97-AF65-F5344CB8AC3E}">
+        <p14:creationId xmlns:p14="http://schemas.microsoft.com/office/powerpoint/2010/main" val="349335232"/>
+      </p:ext>
+    </p:extLst>
+  </p:cSld>
+  <p:clrMapOvr>
+    <a:masterClrMapping/>
+  </p:clrMapOvr>
+</p:sld>
+</file>
+
+<file path=ppt/slides/slide14.xml><?xml version="1.0" encoding="utf-8"?>
+<p:sld xmlns:a="http://schemas.openxmlformats.org/drawingml/2006/main" xmlns:r="http://schemas.openxmlformats.org/officeDocument/2006/relationships" xmlns:p="http://schemas.openxmlformats.org/presentationml/2006/main">
+  <p:cSld>
+    <p:spTree>
+      <p:nvGrpSpPr>
+        <p:cNvPr id="1" name="">
+          <a:extLst>
+            <a:ext uri="{FF2B5EF4-FFF2-40B4-BE49-F238E27FC236}">
+              <a16:creationId xmlns:a16="http://schemas.microsoft.com/office/drawing/2014/main" id="{2DA4BBC7-6AF8-D9EA-A599-34AE76A69D1E}"/>
+            </a:ext>
+          </a:extLst>
+        </p:cNvPr>
+        <p:cNvGrpSpPr/>
+        <p:nvPr/>
+      </p:nvGrpSpPr>
+      <p:grpSpPr>
+        <a:xfrm>
+          <a:off x="0" y="0"/>
+          <a:ext cx="0" cy="0"/>
+          <a:chOff x="0" y="0"/>
+          <a:chExt cx="0" cy="0"/>
+        </a:xfrm>
+      </p:grpSpPr>
+      <p:sp>
+        <p:nvSpPr>
+          <p:cNvPr id="2" name="Title 1">
+            <a:extLst>
+              <a:ext uri="{FF2B5EF4-FFF2-40B4-BE49-F238E27FC236}">
+                <a16:creationId xmlns:a16="http://schemas.microsoft.com/office/drawing/2014/main" id="{AFB1EDDB-F22E-DBCD-C238-7BFE2532447A}"/>
+              </a:ext>
+            </a:extLst>
+          </p:cNvPr>
+          <p:cNvSpPr>
+            <a:spLocks noGrp="1"/>
+          </p:cNvSpPr>
+          <p:nvPr>
+            <p:ph type="title"/>
+          </p:nvPr>
+        </p:nvSpPr>
+        <p:spPr/>
+        <p:txBody>
+          <a:bodyPr/>
+          <a:lstStyle/>
+          <a:p>
+            <a:r>
+              <a:rPr dirty="0" err="1"/>
+              <a:t>Паттерн</a:t>
+            </a:r>
+            <a:r>
+              <a:rPr dirty="0"/>
+              <a:t>: Prefix Sum + HashMap</a:t>
+            </a:r>
+          </a:p>
+        </p:txBody>
+      </p:sp>
+      <p:pic>
+        <p:nvPicPr>
+          <p:cNvPr id="7" name="Content Placeholder 6">
+            <a:extLst>
+              <a:ext uri="{FF2B5EF4-FFF2-40B4-BE49-F238E27FC236}">
+                <a16:creationId xmlns:a16="http://schemas.microsoft.com/office/drawing/2014/main" id="{9B104DB3-98AD-BAC3-7DB9-6C92C6FBCAAA}"/>
+              </a:ext>
+            </a:extLst>
+          </p:cNvPr>
+          <p:cNvPicPr>
+            <a:picLocks noGrp="1" noChangeAspect="1"/>
+          </p:cNvPicPr>
+          <p:nvPr>
+            <p:ph idx="1"/>
+          </p:nvPr>
+        </p:nvPicPr>
+        <p:blipFill>
+          <a:blip r:embed="rId2"/>
+          <a:stretch>
+            <a:fillRect/>
+          </a:stretch>
+        </p:blipFill>
+        <p:spPr>
+          <a:xfrm>
+            <a:off x="527792" y="1600200"/>
+            <a:ext cx="8088415" cy="4525963"/>
+          </a:xfrm>
+          <a:prstGeom prst="rect">
+            <a:avLst/>
+          </a:prstGeom>
+        </p:spPr>
+      </p:pic>
+    </p:spTree>
+    <p:extLst>
+      <p:ext uri="{BB962C8B-B14F-4D97-AF65-F5344CB8AC3E}">
+        <p14:creationId xmlns:p14="http://schemas.microsoft.com/office/powerpoint/2010/main" val="2500721496"/>
+      </p:ext>
+    </p:extLst>
+  </p:cSld>
+  <p:clrMapOvr>
+    <a:masterClrMapping/>
+  </p:clrMapOvr>
+</p:sld>
+</file>
+
+<file path=ppt/slides/slide15.xml><?xml version="1.0" encoding="utf-8"?>
+<p:sld xmlns:a="http://schemas.openxmlformats.org/drawingml/2006/main" xmlns:r="http://schemas.openxmlformats.org/officeDocument/2006/relationships" xmlns:p="http://schemas.openxmlformats.org/presentationml/2006/main">
+  <p:cSld>
+    <p:spTree>
+      <p:nvGrpSpPr>
+        <p:cNvPr id="1" name="">
+          <a:extLst>
+            <a:ext uri="{FF2B5EF4-FFF2-40B4-BE49-F238E27FC236}">
+              <a16:creationId xmlns:a16="http://schemas.microsoft.com/office/drawing/2014/main" id="{9DEF0C9A-4C99-F56F-2B5A-E60A454F7433}"/>
+            </a:ext>
+          </a:extLst>
+        </p:cNvPr>
+        <p:cNvGrpSpPr/>
+        <p:nvPr/>
+      </p:nvGrpSpPr>
+      <p:grpSpPr>
+        <a:xfrm>
+          <a:off x="0" y="0"/>
+          <a:ext cx="0" cy="0"/>
+          <a:chOff x="0" y="0"/>
+          <a:chExt cx="0" cy="0"/>
+        </a:xfrm>
+      </p:grpSpPr>
+      <p:sp>
+        <p:nvSpPr>
+          <p:cNvPr id="2" name="Title 1">
+            <a:extLst>
+              <a:ext uri="{FF2B5EF4-FFF2-40B4-BE49-F238E27FC236}">
+                <a16:creationId xmlns:a16="http://schemas.microsoft.com/office/drawing/2014/main" id="{DF78EDF8-8C9A-DAE3-705B-8C8AF4B65AF7}"/>
+              </a:ext>
+            </a:extLst>
+          </p:cNvPr>
+          <p:cNvSpPr>
+            <a:spLocks noGrp="1"/>
+          </p:cNvSpPr>
+          <p:nvPr>
+            <p:ph type="title"/>
+          </p:nvPr>
+        </p:nvSpPr>
+        <p:spPr/>
+        <p:txBody>
+          <a:bodyPr/>
+          <a:lstStyle/>
+          <a:p>
+            <a:r>
+              <a:rPr dirty="0" err="1"/>
+              <a:t>Паттерн</a:t>
+            </a:r>
+            <a:r>
+              <a:rPr dirty="0"/>
+              <a:t>: Prefix Sum + HashMap</a:t>
+            </a:r>
+          </a:p>
+        </p:txBody>
+      </p:sp>
+      <p:pic>
+        <p:nvPicPr>
+          <p:cNvPr id="6" name="Content Placeholder 5">
+            <a:extLst>
+              <a:ext uri="{FF2B5EF4-FFF2-40B4-BE49-F238E27FC236}">
+                <a16:creationId xmlns:a16="http://schemas.microsoft.com/office/drawing/2014/main" id="{6525A800-A320-8165-EC6B-7DCEC1DEB7F9}"/>
+              </a:ext>
+            </a:extLst>
+          </p:cNvPr>
+          <p:cNvPicPr>
+            <a:picLocks noGrp="1" noChangeAspect="1"/>
+          </p:cNvPicPr>
+          <p:nvPr>
+            <p:ph idx="1"/>
+          </p:nvPr>
+        </p:nvPicPr>
+        <p:blipFill>
+          <a:blip r:embed="rId2"/>
+          <a:stretch>
+            <a:fillRect/>
+          </a:stretch>
+        </p:blipFill>
+        <p:spPr>
+          <a:xfrm>
+            <a:off x="529607" y="1600200"/>
+            <a:ext cx="8084785" cy="4525963"/>
+          </a:xfrm>
+          <a:prstGeom prst="rect">
+            <a:avLst/>
+          </a:prstGeom>
+        </p:spPr>
+      </p:pic>
+    </p:spTree>
+    <p:extLst>
+      <p:ext uri="{BB962C8B-B14F-4D97-AF65-F5344CB8AC3E}">
+        <p14:creationId xmlns:p14="http://schemas.microsoft.com/office/powerpoint/2010/main" val="3753600782"/>
+      </p:ext>
+    </p:extLst>
+  </p:cSld>
+  <p:clrMapOvr>
+    <a:masterClrMapping/>
+  </p:clrMapOvr>
+</p:sld>
+</file>
+
+<file path=ppt/slides/slide16.xml><?xml version="1.0" encoding="utf-8"?>
+<p:sld xmlns:a="http://schemas.openxmlformats.org/drawingml/2006/main" xmlns:r="http://schemas.openxmlformats.org/officeDocument/2006/relationships" xmlns:p="http://schemas.openxmlformats.org/presentationml/2006/main">
+  <p:cSld>
+    <p:spTree>
+      <p:nvGrpSpPr>
+        <p:cNvPr id="1" name="">
+          <a:extLst>
+            <a:ext uri="{FF2B5EF4-FFF2-40B4-BE49-F238E27FC236}">
+              <a16:creationId xmlns:a16="http://schemas.microsoft.com/office/drawing/2014/main" id="{F70ACAD6-7CDB-B973-6394-E32942BC89F5}"/>
+            </a:ext>
+          </a:extLst>
+        </p:cNvPr>
+        <p:cNvGrpSpPr/>
+        <p:nvPr/>
+      </p:nvGrpSpPr>
+      <p:grpSpPr>
+        <a:xfrm>
+          <a:off x="0" y="0"/>
+          <a:ext cx="0" cy="0"/>
+          <a:chOff x="0" y="0"/>
+          <a:chExt cx="0" cy="0"/>
+        </a:xfrm>
+      </p:grpSpPr>
+      <p:sp>
+        <p:nvSpPr>
+          <p:cNvPr id="2" name="Title 1">
+            <a:extLst>
+              <a:ext uri="{FF2B5EF4-FFF2-40B4-BE49-F238E27FC236}">
+                <a16:creationId xmlns:a16="http://schemas.microsoft.com/office/drawing/2014/main" id="{55E1651C-ABB9-8C8A-FC28-B62F9D28D122}"/>
+              </a:ext>
+            </a:extLst>
+          </p:cNvPr>
+          <p:cNvSpPr>
+            <a:spLocks noGrp="1"/>
+          </p:cNvSpPr>
+          <p:nvPr>
+            <p:ph type="title"/>
+          </p:nvPr>
+        </p:nvSpPr>
+        <p:spPr/>
+        <p:txBody>
+          <a:bodyPr/>
+          <a:lstStyle/>
+          <a:p>
+            <a:r>
+              <a:rPr dirty="0" err="1"/>
+              <a:t>Паттерн</a:t>
+            </a:r>
+            <a:r>
+              <a:rPr dirty="0"/>
+              <a:t>: Prefix Sum + HashMap</a:t>
+            </a:r>
+          </a:p>
+        </p:txBody>
+      </p:sp>
+      <p:pic>
+        <p:nvPicPr>
+          <p:cNvPr id="7" name="Content Placeholder 6">
+            <a:extLst>
+              <a:ext uri="{FF2B5EF4-FFF2-40B4-BE49-F238E27FC236}">
+                <a16:creationId xmlns:a16="http://schemas.microsoft.com/office/drawing/2014/main" id="{99E3DC1C-B44C-4FC6-3E0F-0321BBB165B1}"/>
+              </a:ext>
+            </a:extLst>
+          </p:cNvPr>
+          <p:cNvPicPr>
+            <a:picLocks noGrp="1" noChangeAspect="1"/>
+          </p:cNvPicPr>
+          <p:nvPr>
+            <p:ph idx="1"/>
+          </p:nvPr>
+        </p:nvPicPr>
+        <p:blipFill>
+          <a:blip r:embed="rId2"/>
+          <a:stretch>
+            <a:fillRect/>
+          </a:stretch>
+        </p:blipFill>
+        <p:spPr>
+          <a:xfrm>
+            <a:off x="513911" y="1600200"/>
+            <a:ext cx="8116178" cy="4525963"/>
+          </a:xfrm>
+          <a:prstGeom prst="rect">
+            <a:avLst/>
+          </a:prstGeom>
+        </p:spPr>
+      </p:pic>
+    </p:spTree>
+    <p:extLst>
+      <p:ext uri="{BB962C8B-B14F-4D97-AF65-F5344CB8AC3E}">
+        <p14:creationId xmlns:p14="http://schemas.microsoft.com/office/powerpoint/2010/main" val="3001740610"/>
+      </p:ext>
+    </p:extLst>
+  </p:cSld>
+  <p:clrMapOvr>
+    <a:masterClrMapping/>
+  </p:clrMapOvr>
+</p:sld>
+</file>
+
+<file path=ppt/slides/slide17.xml><?xml version="1.0" encoding="utf-8"?>
+<p:sld xmlns:a="http://schemas.openxmlformats.org/drawingml/2006/main" xmlns:r="http://schemas.openxmlformats.org/officeDocument/2006/relationships" xmlns:p="http://schemas.openxmlformats.org/presentationml/2006/main">
+  <p:cSld>
+    <p:spTree>
+      <p:nvGrpSpPr>
+        <p:cNvPr id="1" name="">
+          <a:extLst>
+            <a:ext uri="{FF2B5EF4-FFF2-40B4-BE49-F238E27FC236}">
+              <a16:creationId xmlns:a16="http://schemas.microsoft.com/office/drawing/2014/main" id="{71610976-E087-523F-A15D-A46841B7E047}"/>
+            </a:ext>
+          </a:extLst>
+        </p:cNvPr>
+        <p:cNvGrpSpPr/>
+        <p:nvPr/>
+      </p:nvGrpSpPr>
+      <p:grpSpPr>
+        <a:xfrm>
+          <a:off x="0" y="0"/>
+          <a:ext cx="0" cy="0"/>
+          <a:chOff x="0" y="0"/>
+          <a:chExt cx="0" cy="0"/>
+        </a:xfrm>
+      </p:grpSpPr>
+      <p:sp>
+        <p:nvSpPr>
+          <p:cNvPr id="2" name="Title 1">
+            <a:extLst>
+              <a:ext uri="{FF2B5EF4-FFF2-40B4-BE49-F238E27FC236}">
+                <a16:creationId xmlns:a16="http://schemas.microsoft.com/office/drawing/2014/main" id="{683DF0AC-481A-CD26-1FE7-59E412FB46AE}"/>
+              </a:ext>
+            </a:extLst>
+          </p:cNvPr>
+          <p:cNvSpPr>
+            <a:spLocks noGrp="1"/>
+          </p:cNvSpPr>
+          <p:nvPr>
+            <p:ph type="title"/>
+          </p:nvPr>
+        </p:nvSpPr>
+        <p:spPr/>
+        <p:txBody>
+          <a:bodyPr/>
+          <a:lstStyle/>
+          <a:p>
+            <a:r>
+              <a:rPr dirty="0" err="1"/>
+              <a:t>Паттерн</a:t>
+            </a:r>
+            <a:r>
+              <a:rPr dirty="0"/>
+              <a:t>: Prefix Sum + HashMap</a:t>
+            </a:r>
+          </a:p>
+        </p:txBody>
+      </p:sp>
+      <p:pic>
+        <p:nvPicPr>
+          <p:cNvPr id="6" name="Content Placeholder 5">
+            <a:extLst>
+              <a:ext uri="{FF2B5EF4-FFF2-40B4-BE49-F238E27FC236}">
+                <a16:creationId xmlns:a16="http://schemas.microsoft.com/office/drawing/2014/main" id="{BFAA623A-E422-A700-C1B9-337AEE78EB07}"/>
+              </a:ext>
+            </a:extLst>
+          </p:cNvPr>
+          <p:cNvPicPr>
+            <a:picLocks noGrp="1" noChangeAspect="1"/>
+          </p:cNvPicPr>
+          <p:nvPr>
+            <p:ph idx="1"/>
+          </p:nvPr>
+        </p:nvPicPr>
+        <p:blipFill>
+          <a:blip r:embed="rId2"/>
+          <a:stretch>
+            <a:fillRect/>
+          </a:stretch>
+        </p:blipFill>
+        <p:spPr>
+          <a:xfrm>
+            <a:off x="530283" y="1600200"/>
+            <a:ext cx="8083433" cy="4525963"/>
+          </a:xfrm>
+          <a:prstGeom prst="rect">
+            <a:avLst/>
+          </a:prstGeom>
+        </p:spPr>
+      </p:pic>
+    </p:spTree>
+    <p:extLst>
+      <p:ext uri="{BB962C8B-B14F-4D97-AF65-F5344CB8AC3E}">
+        <p14:creationId xmlns:p14="http://schemas.microsoft.com/office/powerpoint/2010/main" val="1183881394"/>
+      </p:ext>
+    </p:extLst>
+  </p:cSld>
+  <p:clrMapOvr>
+    <a:masterClrMapping/>
+  </p:clrMapOvr>
+</p:sld>
+</file>
+
+<file path=ppt/slides/slide18.xml><?xml version="1.0" encoding="utf-8"?>
 <p:sld xmlns:a="http://schemas.openxmlformats.org/drawingml/2006/main" xmlns:r="http://schemas.openxmlformats.org/officeDocument/2006/relationships" xmlns:p="http://schemas.openxmlformats.org/presentationml/2006/main">
   <p:cSld>
     <p:spTree>
@@ -3292,14 +4014,8 @@
           <a:lstStyle/>
           <a:p>
             <a:r>
-              <a:rPr dirty="0" err="1"/>
-              <a:t>Практик</a:t>
-            </a:r>
-            <a:r>
-              <a:rPr lang="ru-RU" dirty="0"/>
-              <a:t>а</a:t>
-            </a:r>
-            <a:endParaRPr dirty="0"/>
+              <a:t>Паттерн: Value → Index</a:t>
+            </a:r>
           </a:p>
         </p:txBody>
       </p:sp>
@@ -3319,36 +4035,109 @@
           <a:lstStyle/>
           <a:p>
             <a:r>
-              <a:rPr dirty="0"/>
-              <a:t>Two Sum — </a:t>
-            </a:r>
-            <a:r>
-              <a:rPr dirty="0" err="1"/>
-              <a:t>разбор</a:t>
-            </a:r>
-            <a:r>
-              <a:rPr dirty="0"/>
-              <a:t> </a:t>
-            </a:r>
-            <a:r>
-              <a:rPr dirty="0" err="1"/>
-              <a:t>паттерна</a:t>
-            </a:r>
-            <a:r>
-              <a:rPr dirty="0"/>
-              <a:t> Value → Index</a:t>
-            </a:r>
-          </a:p>
-          <a:p>
-            <a:r>
-              <a:rPr dirty="0"/>
-              <a:t>Valid Anagram — Frequency Map</a:t>
-            </a:r>
-          </a:p>
-          <a:p>
-            <a:r>
-              <a:rPr dirty="0"/>
-              <a:t>Longest Substring Without Repeating Characters — Sliding Window</a:t>
+              <a:t>Храним позицию элемента</a:t>
+            </a:r>
+          </a:p>
+          <a:p>
+            <a:r>
+              <a:t>Позволяет находить пары за O(n)</a:t>
+            </a:r>
+          </a:p>
+          <a:p>
+            <a:r>
+              <a:t>Часто первый шаг в оптимизации</a:t>
+            </a:r>
+          </a:p>
+          <a:p>
+            <a:r>
+              <a:t>LeetCode: 1, 167</a:t>
+            </a:r>
+          </a:p>
+        </p:txBody>
+      </p:sp>
+    </p:spTree>
+  </p:cSld>
+  <p:clrMapOvr>
+    <a:masterClrMapping/>
+  </p:clrMapOvr>
+</p:sld>
+</file>
+
+<file path=ppt/slides/slide19.xml><?xml version="1.0" encoding="utf-8"?>
+<p:sld xmlns:a="http://schemas.openxmlformats.org/drawingml/2006/main" xmlns:r="http://schemas.openxmlformats.org/officeDocument/2006/relationships" xmlns:p="http://schemas.openxmlformats.org/presentationml/2006/main">
+  <p:cSld>
+    <p:spTree>
+      <p:nvGrpSpPr>
+        <p:cNvPr id="1" name=""/>
+        <p:cNvGrpSpPr/>
+        <p:nvPr/>
+      </p:nvGrpSpPr>
+      <p:grpSpPr>
+        <a:xfrm>
+          <a:off x="0" y="0"/>
+          <a:ext cx="0" cy="0"/>
+          <a:chOff x="0" y="0"/>
+          <a:chExt cx="0" cy="0"/>
+        </a:xfrm>
+      </p:grpSpPr>
+      <p:sp>
+        <p:nvSpPr>
+          <p:cNvPr id="2" name="Title 1"/>
+          <p:cNvSpPr>
+            <a:spLocks noGrp="1"/>
+          </p:cNvSpPr>
+          <p:nvPr>
+            <p:ph type="title"/>
+          </p:nvPr>
+        </p:nvSpPr>
+        <p:spPr/>
+        <p:txBody>
+          <a:bodyPr/>
+          <a:lstStyle/>
+          <a:p>
+            <a:r>
+              <a:t>Типовые задачи на хэш-таблицы</a:t>
+            </a:r>
+          </a:p>
+        </p:txBody>
+      </p:sp>
+      <p:sp>
+        <p:nvSpPr>
+          <p:cNvPr id="3" name="Content Placeholder 2"/>
+          <p:cNvSpPr>
+            <a:spLocks noGrp="1"/>
+          </p:cNvSpPr>
+          <p:nvPr>
+            <p:ph idx="1"/>
+          </p:nvPr>
+        </p:nvSpPr>
+        <p:spPr/>
+        <p:txBody>
+          <a:bodyPr/>
+          <a:lstStyle/>
+          <a:p>
+            <a:r>
+              <a:t>Two Sum / пары элементов</a:t>
+            </a:r>
+          </a:p>
+          <a:p>
+            <a:r>
+              <a:t>Анаграммы</a:t>
+            </a:r>
+          </a:p>
+          <a:p>
+            <a:r>
+              <a:t>Подстроки без повторений</a:t>
+            </a:r>
+          </a:p>
+          <a:p>
+            <a:r>
+              <a:t>Подмассивы с заданной суммой</a:t>
+            </a:r>
+          </a:p>
+          <a:p>
+            <a:r>
+              <a:t>Топ-K элементов</a:t>
             </a:r>
           </a:p>
         </p:txBody>
@@ -3613,6 +4402,108 @@
 </p:sld>
 </file>
 
+<file path=ppt/slides/slide20.xml><?xml version="1.0" encoding="utf-8"?>
+<p:sld xmlns:a="http://schemas.openxmlformats.org/drawingml/2006/main" xmlns:r="http://schemas.openxmlformats.org/officeDocument/2006/relationships" xmlns:p="http://schemas.openxmlformats.org/presentationml/2006/main">
+  <p:cSld>
+    <p:spTree>
+      <p:nvGrpSpPr>
+        <p:cNvPr id="1" name=""/>
+        <p:cNvGrpSpPr/>
+        <p:nvPr/>
+      </p:nvGrpSpPr>
+      <p:grpSpPr>
+        <a:xfrm>
+          <a:off x="0" y="0"/>
+          <a:ext cx="0" cy="0"/>
+          <a:chOff x="0" y="0"/>
+          <a:chExt cx="0" cy="0"/>
+        </a:xfrm>
+      </p:grpSpPr>
+      <p:sp>
+        <p:nvSpPr>
+          <p:cNvPr id="2" name="Title 1"/>
+          <p:cNvSpPr>
+            <a:spLocks noGrp="1"/>
+          </p:cNvSpPr>
+          <p:nvPr>
+            <p:ph type="title"/>
+          </p:nvPr>
+        </p:nvSpPr>
+        <p:spPr/>
+        <p:txBody>
+          <a:bodyPr/>
+          <a:lstStyle/>
+          <a:p>
+            <a:r>
+              <a:rPr dirty="0" err="1"/>
+              <a:t>Практик</a:t>
+            </a:r>
+            <a:r>
+              <a:rPr lang="ru-RU" dirty="0"/>
+              <a:t>а</a:t>
+            </a:r>
+            <a:endParaRPr dirty="0"/>
+          </a:p>
+        </p:txBody>
+      </p:sp>
+      <p:sp>
+        <p:nvSpPr>
+          <p:cNvPr id="3" name="Content Placeholder 2"/>
+          <p:cNvSpPr>
+            <a:spLocks noGrp="1"/>
+          </p:cNvSpPr>
+          <p:nvPr>
+            <p:ph idx="1"/>
+          </p:nvPr>
+        </p:nvSpPr>
+        <p:spPr/>
+        <p:txBody>
+          <a:bodyPr/>
+          <a:lstStyle/>
+          <a:p>
+            <a:r>
+              <a:rPr dirty="0"/>
+              <a:t>Two Sum — </a:t>
+            </a:r>
+            <a:r>
+              <a:rPr dirty="0" err="1"/>
+              <a:t>разбор</a:t>
+            </a:r>
+            <a:r>
+              <a:rPr dirty="0"/>
+              <a:t> </a:t>
+            </a:r>
+            <a:r>
+              <a:rPr dirty="0" err="1"/>
+              <a:t>паттерна</a:t>
+            </a:r>
+            <a:r>
+              <a:rPr dirty="0"/>
+              <a:t> Value → Index</a:t>
+            </a:r>
+          </a:p>
+          <a:p>
+            <a:r>
+              <a:rPr dirty="0"/>
+              <a:t>Valid Anagram — Frequency Map</a:t>
+            </a:r>
+          </a:p>
+          <a:p>
+            <a:r>
+              <a:rPr dirty="0"/>
+              <a:t>Longest Substring Without Repeating Characters — Sliding Window</a:t>
+            </a:r>
+          </a:p>
+        </p:txBody>
+      </p:sp>
+    </p:spTree>
+  </p:cSld>
+  <p:clrMapOvr>
+    <a:masterClrMapping/>
+  </p:clrMapOvr>
+</p:sld>
+</file>
+
 <file path=ppt/slides/slide3.xml><?xml version="1.0" encoding="utf-8"?>
 <p:sld xmlns:a="http://schemas.openxmlformats.org/drawingml/2006/main" xmlns:r="http://schemas.openxmlformats.org/officeDocument/2006/relationships" xmlns:p="http://schemas.openxmlformats.org/presentationml/2006/main">
   <p:cSld>
@@ -3754,27 +4645,167 @@
           <a:lstStyle/>
           <a:p>
             <a:r>
-              <a:t>Идея: храним уже встреченные элементы</a:t>
-            </a:r>
-          </a:p>
-          <a:p>
-            <a:r>
-              <a:t>Часто используется для поиска дубликатов</a:t>
-            </a:r>
-          </a:p>
-          <a:p>
-            <a:r>
-              <a:t>Позволяет убрать вложенные циклы</a:t>
-            </a:r>
-          </a:p>
-          <a:p>
-            <a:r>
-              <a:t>Типичный вопрос: «был ли элемент раньше?»</a:t>
-            </a:r>
-          </a:p>
-          <a:p>
-            <a:r>
-              <a:t>LeetCode: 217, 268, 36</a:t>
+              <a:rPr dirty="0"/>
+              <a:t>Идея: </a:t>
+            </a:r>
+            <a:r>
+              <a:rPr dirty="0" err="1"/>
+              <a:t>храним</a:t>
+            </a:r>
+            <a:r>
+              <a:rPr dirty="0"/>
+              <a:t> </a:t>
+            </a:r>
+            <a:r>
+              <a:rPr dirty="0" err="1"/>
+              <a:t>уже</a:t>
+            </a:r>
+            <a:r>
+              <a:rPr dirty="0"/>
+              <a:t> </a:t>
+            </a:r>
+            <a:r>
+              <a:rPr dirty="0" err="1"/>
+              <a:t>встреченные</a:t>
+            </a:r>
+            <a:r>
+              <a:rPr dirty="0"/>
+              <a:t> </a:t>
+            </a:r>
+            <a:r>
+              <a:rPr dirty="0" err="1"/>
+              <a:t>элементы</a:t>
+            </a:r>
+            <a:endParaRPr dirty="0"/>
+          </a:p>
+          <a:p>
+            <a:r>
+              <a:rPr dirty="0" err="1"/>
+              <a:t>Часто</a:t>
+            </a:r>
+            <a:r>
+              <a:rPr dirty="0"/>
+              <a:t> </a:t>
+            </a:r>
+            <a:r>
+              <a:rPr dirty="0" err="1"/>
+              <a:t>используется</a:t>
+            </a:r>
+            <a:r>
+              <a:rPr dirty="0"/>
+              <a:t> </a:t>
+            </a:r>
+            <a:r>
+              <a:rPr dirty="0" err="1"/>
+              <a:t>для</a:t>
+            </a:r>
+            <a:r>
+              <a:rPr dirty="0"/>
+              <a:t> </a:t>
+            </a:r>
+            <a:r>
+              <a:rPr dirty="0" err="1"/>
+              <a:t>поиска</a:t>
+            </a:r>
+            <a:r>
+              <a:rPr dirty="0"/>
+              <a:t> </a:t>
+            </a:r>
+            <a:r>
+              <a:rPr dirty="0" err="1"/>
+              <a:t>дубликатов</a:t>
+            </a:r>
+            <a:endParaRPr dirty="0"/>
+          </a:p>
+          <a:p>
+            <a:r>
+              <a:rPr dirty="0" err="1"/>
+              <a:t>Позволяет</a:t>
+            </a:r>
+            <a:r>
+              <a:rPr dirty="0"/>
+              <a:t> </a:t>
+            </a:r>
+            <a:r>
+              <a:rPr dirty="0" err="1"/>
+              <a:t>убрать</a:t>
+            </a:r>
+            <a:r>
+              <a:rPr dirty="0"/>
+              <a:t> </a:t>
+            </a:r>
+            <a:r>
+              <a:rPr dirty="0" err="1"/>
+              <a:t>вложенные</a:t>
+            </a:r>
+            <a:r>
+              <a:rPr dirty="0"/>
+              <a:t> </a:t>
+            </a:r>
+            <a:r>
+              <a:rPr dirty="0" err="1"/>
+              <a:t>циклы</a:t>
+            </a:r>
+            <a:endParaRPr dirty="0"/>
+          </a:p>
+          <a:p>
+            <a:r>
+              <a:rPr dirty="0" err="1"/>
+              <a:t>Типичный</a:t>
+            </a:r>
+            <a:r>
+              <a:rPr dirty="0"/>
+              <a:t> </a:t>
+            </a:r>
+            <a:r>
+              <a:rPr dirty="0" err="1"/>
+              <a:t>вопрос</a:t>
+            </a:r>
+            <a:r>
+              <a:rPr dirty="0"/>
+              <a:t>: «</a:t>
+            </a:r>
+            <a:r>
+              <a:rPr dirty="0" err="1"/>
+              <a:t>был</a:t>
+            </a:r>
+            <a:r>
+              <a:rPr dirty="0"/>
+              <a:t> </a:t>
+            </a:r>
+            <a:r>
+              <a:rPr dirty="0" err="1"/>
+              <a:t>ли</a:t>
+            </a:r>
+            <a:r>
+              <a:rPr dirty="0"/>
+              <a:t> </a:t>
+            </a:r>
+            <a:r>
+              <a:rPr dirty="0" err="1"/>
+              <a:t>элемент</a:t>
+            </a:r>
+            <a:r>
+              <a:rPr dirty="0"/>
+              <a:t> </a:t>
+            </a:r>
+            <a:r>
+              <a:rPr dirty="0" err="1"/>
+              <a:t>раньше</a:t>
+            </a:r>
+            <a:r>
+              <a:rPr dirty="0"/>
+              <a:t>?»</a:t>
+            </a:r>
+          </a:p>
+          <a:p>
+            <a:r>
+              <a:rPr dirty="0" err="1"/>
+              <a:t>LeetCode</a:t>
+            </a:r>
+            <a:r>
+              <a:rPr dirty="0"/>
+              <a:t>: 217, 268, 36</a:t>
             </a:r>
           </a:p>
         </p:txBody>
@@ -4301,7 +5332,13 @@
   <p:cSld>
     <p:spTree>
       <p:nvGrpSpPr>
-        <p:cNvPr id="1" name=""/>
+        <p:cNvPr id="1" name="">
+          <a:extLst>
+            <a:ext uri="{FF2B5EF4-FFF2-40B4-BE49-F238E27FC236}">
+              <a16:creationId xmlns:a16="http://schemas.microsoft.com/office/drawing/2014/main" id="{CEADC33E-310A-6E4A-CEF8-E7D66981E0D2}"/>
+            </a:ext>
+          </a:extLst>
+        </p:cNvPr>
         <p:cNvGrpSpPr/>
         <p:nvPr/>
       </p:nvGrpSpPr>
@@ -4315,7 +5352,13 @@
       </p:grpSpPr>
       <p:sp>
         <p:nvSpPr>
-          <p:cNvPr id="2" name="Title 1"/>
+          <p:cNvPr id="2" name="Title 1">
+            <a:extLst>
+              <a:ext uri="{FF2B5EF4-FFF2-40B4-BE49-F238E27FC236}">
+                <a16:creationId xmlns:a16="http://schemas.microsoft.com/office/drawing/2014/main" id="{F42EBB94-D720-84CF-B7DC-499D0BEEBB38}"/>
+              </a:ext>
+            </a:extLst>
+          </p:cNvPr>
           <p:cNvSpPr>
             <a:spLocks noGrp="1"/>
           </p:cNvSpPr>
@@ -4329,48 +5372,54 @@
           <a:lstStyle/>
           <a:p>
             <a:r>
-              <a:t>Паттерн: Value → Index</a:t>
-            </a:r>
-          </a:p>
-        </p:txBody>
-      </p:sp>
-      <p:sp>
-        <p:nvSpPr>
-          <p:cNvPr id="3" name="Content Placeholder 2"/>
-          <p:cNvSpPr>
-            <a:spLocks noGrp="1"/>
-          </p:cNvSpPr>
+              <a:rPr dirty="0" err="1"/>
+              <a:t>Паттерн</a:t>
+            </a:r>
+            <a:r>
+              <a:rPr dirty="0"/>
+              <a:t>: Prefix Sum + HashMap</a:t>
+            </a:r>
+          </a:p>
+        </p:txBody>
+      </p:sp>
+      <p:pic>
+        <p:nvPicPr>
+          <p:cNvPr id="5" name="Content Placeholder 4">
+            <a:extLst>
+              <a:ext uri="{FF2B5EF4-FFF2-40B4-BE49-F238E27FC236}">
+                <a16:creationId xmlns:a16="http://schemas.microsoft.com/office/drawing/2014/main" id="{7616D53A-834B-4265-ADA4-2C3157967563}"/>
+              </a:ext>
+            </a:extLst>
+          </p:cNvPr>
+          <p:cNvPicPr>
+            <a:picLocks noGrp="1" noChangeAspect="1"/>
+          </p:cNvPicPr>
           <p:nvPr>
             <p:ph idx="1"/>
           </p:nvPr>
-        </p:nvSpPr>
-        <p:spPr/>
-        <p:txBody>
-          <a:bodyPr/>
-          <a:lstStyle/>
-          <a:p>
-            <a:r>
-              <a:t>Храним позицию элемента</a:t>
-            </a:r>
-          </a:p>
-          <a:p>
-            <a:r>
-              <a:t>Позволяет находить пары за O(n)</a:t>
-            </a:r>
-          </a:p>
-          <a:p>
-            <a:r>
-              <a:t>Часто первый шаг в оптимизации</a:t>
-            </a:r>
-          </a:p>
-          <a:p>
-            <a:r>
-              <a:t>LeetCode: 1, 167</a:t>
-            </a:r>
-          </a:p>
-        </p:txBody>
-      </p:sp>
+        </p:nvPicPr>
+        <p:blipFill>
+          <a:blip r:embed="rId2"/>
+          <a:stretch>
+            <a:fillRect/>
+          </a:stretch>
+        </p:blipFill>
+        <p:spPr>
+          <a:xfrm>
+            <a:off x="560779" y="1600200"/>
+            <a:ext cx="8022442" cy="4525963"/>
+          </a:xfrm>
+          <a:prstGeom prst="rect">
+            <a:avLst/>
+          </a:prstGeom>
+        </p:spPr>
+      </p:pic>
     </p:spTree>
+    <p:extLst>
+      <p:ext uri="{BB962C8B-B14F-4D97-AF65-F5344CB8AC3E}">
+        <p14:creationId xmlns:p14="http://schemas.microsoft.com/office/powerpoint/2010/main" val="1280287611"/>
+      </p:ext>
+    </p:extLst>
   </p:cSld>
   <p:clrMapOvr>
     <a:masterClrMapping/>
